--- a/ClassMaterials/SETechniques/Slides/Part3-SETechniques-Principles1And2.pptx
+++ b/ClassMaterials/SETechniques/Slides/Part3-SETechniques-Principles1And2.pptx
@@ -5,20 +5,19 @@
     <p:sldMasterId id="2147483672" r:id="rId4"/>
   </p:sldMasterIdLst>
   <p:notesMasterIdLst>
-    <p:notesMasterId r:id="rId13"/>
+    <p:notesMasterId r:id="rId12"/>
   </p:notesMasterIdLst>
   <p:handoutMasterIdLst>
-    <p:handoutMasterId r:id="rId14"/>
+    <p:handoutMasterId r:id="rId13"/>
   </p:handoutMasterIdLst>
   <p:sldIdLst>
     <p:sldId id="301" r:id="rId5"/>
-    <p:sldId id="340" r:id="rId6"/>
-    <p:sldId id="313" r:id="rId7"/>
-    <p:sldId id="361" r:id="rId8"/>
-    <p:sldId id="316" r:id="rId9"/>
-    <p:sldId id="314" r:id="rId10"/>
-    <p:sldId id="330" r:id="rId11"/>
-    <p:sldId id="367" r:id="rId12"/>
+    <p:sldId id="313" r:id="rId6"/>
+    <p:sldId id="340" r:id="rId7"/>
+    <p:sldId id="316" r:id="rId8"/>
+    <p:sldId id="314" r:id="rId9"/>
+    <p:sldId id="330" r:id="rId10"/>
+    <p:sldId id="367" r:id="rId11"/>
   </p:sldIdLst>
   <p:sldSz cx="9144000" cy="6858000" type="screen4x3"/>
   <p:notesSz cx="6858000" cy="9144000"/>
@@ -763,7 +762,7 @@
           <a:p>
             <a:fld id="{A470E182-4433-B944-AF35-723DFC7F8728}" type="datetimeFigureOut">
               <a:rPr lang="en-US" smtClean="0"/>
-              <a:t>12/4/2022</a:t>
+              <a:t>12/5/2022</a:t>
             </a:fld>
             <a:endParaRPr lang="en-US"/>
           </a:p>
@@ -928,7 +927,7 @@
           <a:p>
             <a:fld id="{C12EF212-CCF8-3B4F-9C5F-A87F03513D57}" type="datetimeFigureOut">
               <a:rPr lang="en-US" smtClean="0"/>
-              <a:t>12/4/2022</a:t>
+              <a:t>12/5/2022</a:t>
             </a:fld>
             <a:endParaRPr lang="en-US"/>
           </a:p>
@@ -1268,7 +1267,7 @@
           <a:p>
             <a:fld id="{1EC41D83-A85E-494A-A425-5657A5A18AE9}" type="slidenum">
               <a:rPr lang="en-US" smtClean="0"/>
-              <a:t>5</a:t>
+              <a:t>4</a:t>
             </a:fld>
             <a:endParaRPr lang="en-US"/>
           </a:p>
@@ -1360,7 +1359,7 @@
           <a:p>
             <a:fld id="{1EC41D83-A85E-494A-A425-5657A5A18AE9}" type="slidenum">
               <a:rPr lang="en-US" smtClean="0"/>
-              <a:t>7</a:t>
+              <a:t>6</a:t>
             </a:fld>
             <a:endParaRPr lang="en-US"/>
           </a:p>
@@ -1514,7 +1513,7 @@
               <a:pPr>
                 <a:defRPr/>
               </a:pPr>
-              <a:t>Sunday, December 4, 2022</a:t>
+              <a:t>Monday, December 5, 2022</a:t>
             </a:fld>
             <a:endParaRPr lang="en-US"/>
           </a:p>
@@ -1707,7 +1706,7 @@
               <a:pPr>
                 <a:defRPr/>
               </a:pPr>
-              <a:t>Sunday, December 4, 2022</a:t>
+              <a:t>Monday, December 5, 2022</a:t>
             </a:fld>
             <a:endParaRPr lang="en-US">
               <a:solidFill>
@@ -1920,7 +1919,7 @@
               <a:pPr>
                 <a:defRPr/>
               </a:pPr>
-              <a:t>Sunday, December 4, 2022</a:t>
+              <a:t>Monday, December 5, 2022</a:t>
             </a:fld>
             <a:endParaRPr lang="en-US">
               <a:solidFill>
@@ -2123,7 +2122,7 @@
               <a:pPr>
                 <a:defRPr/>
               </a:pPr>
-              <a:t>Sunday, December 4, 2022</a:t>
+              <a:t>Monday, December 5, 2022</a:t>
             </a:fld>
             <a:endParaRPr lang="en-US">
               <a:solidFill>
@@ -2403,7 +2402,7 @@
               <a:pPr>
                 <a:defRPr/>
               </a:pPr>
-              <a:t>Sunday, December 4, 2022</a:t>
+              <a:t>Monday, December 5, 2022</a:t>
             </a:fld>
             <a:endParaRPr lang="en-US">
               <a:solidFill>
@@ -2667,7 +2666,7 @@
               <a:pPr>
                 <a:defRPr/>
               </a:pPr>
-              <a:t>Sunday, December 4, 2022</a:t>
+              <a:t>Monday, December 5, 2022</a:t>
             </a:fld>
             <a:endParaRPr lang="en-US">
               <a:solidFill>
@@ -3066,7 +3065,7 @@
               <a:pPr>
                 <a:defRPr/>
               </a:pPr>
-              <a:t>Sunday, December 4, 2022</a:t>
+              <a:t>Monday, December 5, 2022</a:t>
             </a:fld>
             <a:endParaRPr lang="en-US">
               <a:solidFill>
@@ -3218,7 +3217,7 @@
               <a:pPr>
                 <a:defRPr/>
               </a:pPr>
-              <a:t>Sunday, December 4, 2022</a:t>
+              <a:t>Monday, December 5, 2022</a:t>
             </a:fld>
             <a:endParaRPr lang="en-US">
               <a:solidFill>
@@ -3348,7 +3347,7 @@
               <a:pPr>
                 <a:defRPr/>
               </a:pPr>
-              <a:t>Sunday, December 4, 2022</a:t>
+              <a:t>Monday, December 5, 2022</a:t>
             </a:fld>
             <a:endParaRPr lang="en-US">
               <a:solidFill>
@@ -3658,7 +3657,7 @@
               <a:pPr>
                 <a:defRPr/>
               </a:pPr>
-              <a:t>Sunday, December 4, 2022</a:t>
+              <a:t>Monday, December 5, 2022</a:t>
             </a:fld>
             <a:endParaRPr lang="en-US">
               <a:solidFill>
@@ -3945,7 +3944,7 @@
               <a:pPr>
                 <a:defRPr/>
               </a:pPr>
-              <a:t>Sunday, December 4, 2022</a:t>
+              <a:t>Monday, December 5, 2022</a:t>
             </a:fld>
             <a:endParaRPr lang="en-US">
               <a:solidFill>
@@ -4205,7 +4204,7 @@
                 </a:spcAft>
                 <a:defRPr/>
               </a:pPr>
-              <a:t>Sunday, December 4, 2022</a:t>
+              <a:t>Monday, December 5, 2022</a:t>
             </a:fld>
             <a:endParaRPr lang="en-US">
               <a:solidFill>
@@ -4841,128 +4840,6 @@
       </p:grpSpPr>
       <p:sp>
         <p:nvSpPr>
-          <p:cNvPr id="3" name="Content Placeholder 2"/>
-          <p:cNvSpPr>
-            <a:spLocks noGrp="1"/>
-          </p:cNvSpPr>
-          <p:nvPr>
-            <p:ph idx="1"/>
-          </p:nvPr>
-        </p:nvSpPr>
-        <p:spPr>
-          <a:xfrm>
-            <a:off x="628650" y="545465"/>
-            <a:ext cx="7886700" cy="4351338"/>
-          </a:xfrm>
-        </p:spPr>
-        <p:txBody>
-          <a:bodyPr>
-            <a:noAutofit/>
-          </a:bodyPr>
-          <a:lstStyle/>
-          <a:p>
-            <a:pPr marL="0" indent="0" fontAlgn="base">
-              <a:buNone/>
-            </a:pPr>
-            <a:r>
-              <a:rPr lang="en-US" sz="3200"/>
-              <a:t>1. Make sure your design </a:t>
-            </a:r>
-            <a:r>
-              <a:rPr lang="en-US" sz="3200" b="1"/>
-              <a:t>allows proper functionality</a:t>
-            </a:r>
-            <a:endParaRPr lang="en-US" sz="3200"/>
-          </a:p>
-          <a:p>
-            <a:pPr marL="800100" lvl="1" indent="-457200" fontAlgn="base">
-              <a:buFont typeface="+mj-lt"/>
-              <a:buAutoNum type="alphaLcParenR"/>
-            </a:pPr>
-            <a:r>
-              <a:rPr lang="en-US" sz="2400"/>
-              <a:t>Must be able to </a:t>
-            </a:r>
-            <a:r>
-              <a:rPr lang="en-US" sz="2400" b="1"/>
-              <a:t>store required information</a:t>
-            </a:r>
-            <a:r>
-              <a:rPr lang="en-US" sz="2400"/>
-              <a:t> (one/many to one/many relationships)</a:t>
-            </a:r>
-          </a:p>
-          <a:p>
-            <a:pPr marL="800100" lvl="1" indent="-457200" fontAlgn="base">
-              <a:buFont typeface="+mj-lt"/>
-              <a:buAutoNum type="alphaLcParenR"/>
-            </a:pPr>
-            <a:r>
-              <a:rPr lang="en-US" sz="2400"/>
-              <a:t>Must be able to </a:t>
-            </a:r>
-            <a:r>
-              <a:rPr lang="en-US" sz="2400" b="1"/>
-              <a:t>access the required information</a:t>
-            </a:r>
-            <a:r>
-              <a:rPr lang="en-US" sz="2400"/>
-              <a:t> to accomplish tasks</a:t>
-            </a:r>
-          </a:p>
-          <a:p>
-            <a:pPr marL="800100" lvl="1" indent="-457200" fontAlgn="base">
-              <a:buFont typeface="+mj-lt"/>
-              <a:buAutoNum type="alphaLcParenR"/>
-            </a:pPr>
-            <a:r>
-              <a:rPr lang="en-US" sz="2400"/>
-              <a:t>Data should </a:t>
-            </a:r>
-            <a:r>
-              <a:rPr lang="en-US" sz="2400" b="1"/>
-              <a:t>not be duplicated</a:t>
-            </a:r>
-            <a:r>
-              <a:rPr lang="en-US" sz="2400"/>
-              <a:t> (id/identifiers are OK!)</a:t>
-            </a:r>
-            <a:endParaRPr lang="en-US" sz="3200"/>
-          </a:p>
-        </p:txBody>
-      </p:sp>
-    </p:spTree>
-    <p:extLst>
-      <p:ext uri="{BB962C8B-B14F-4D97-AF65-F5344CB8AC3E}">
-        <p14:creationId xmlns:p14="http://schemas.microsoft.com/office/powerpoint/2010/main" val="3413767239"/>
-      </p:ext>
-    </p:extLst>
-  </p:cSld>
-  <p:clrMapOvr>
-    <a:masterClrMapping/>
-  </p:clrMapOvr>
-</p:sld>
-</file>
-
-<file path=ppt/slides/slide3.xml><?xml version="1.0" encoding="utf-8"?>
-<p:sld xmlns:a="http://schemas.openxmlformats.org/drawingml/2006/main" xmlns:r="http://schemas.openxmlformats.org/officeDocument/2006/relationships" xmlns:p="http://schemas.openxmlformats.org/presentationml/2006/main">
-  <p:cSld>
-    <p:spTree>
-      <p:nvGrpSpPr>
-        <p:cNvPr id="1" name=""/>
-        <p:cNvGrpSpPr/>
-        <p:nvPr/>
-      </p:nvGrpSpPr>
-      <p:grpSpPr>
-        <a:xfrm>
-          <a:off x="0" y="0"/>
-          <a:ext cx="0" cy="0"/>
-          <a:chOff x="0" y="0"/>
-          <a:chExt cx="0" cy="0"/>
-        </a:xfrm>
-      </p:grpSpPr>
-      <p:sp>
-        <p:nvSpPr>
           <p:cNvPr id="2" name="Title 1"/>
           <p:cNvSpPr>
             <a:spLocks noGrp="1"/>
@@ -5385,6 +5262,128 @@
 </p:sld>
 </file>
 
+<file path=ppt/slides/slide3.xml><?xml version="1.0" encoding="utf-8"?>
+<p:sld xmlns:a="http://schemas.openxmlformats.org/drawingml/2006/main" xmlns:r="http://schemas.openxmlformats.org/officeDocument/2006/relationships" xmlns:p="http://schemas.openxmlformats.org/presentationml/2006/main">
+  <p:cSld>
+    <p:spTree>
+      <p:nvGrpSpPr>
+        <p:cNvPr id="1" name=""/>
+        <p:cNvGrpSpPr/>
+        <p:nvPr/>
+      </p:nvGrpSpPr>
+      <p:grpSpPr>
+        <a:xfrm>
+          <a:off x="0" y="0"/>
+          <a:ext cx="0" cy="0"/>
+          <a:chOff x="0" y="0"/>
+          <a:chExt cx="0" cy="0"/>
+        </a:xfrm>
+      </p:grpSpPr>
+      <p:sp>
+        <p:nvSpPr>
+          <p:cNvPr id="3" name="Content Placeholder 2"/>
+          <p:cNvSpPr>
+            <a:spLocks noGrp="1"/>
+          </p:cNvSpPr>
+          <p:nvPr>
+            <p:ph idx="1"/>
+          </p:nvPr>
+        </p:nvSpPr>
+        <p:spPr>
+          <a:xfrm>
+            <a:off x="628650" y="545465"/>
+            <a:ext cx="7886700" cy="4351338"/>
+          </a:xfrm>
+        </p:spPr>
+        <p:txBody>
+          <a:bodyPr>
+            <a:noAutofit/>
+          </a:bodyPr>
+          <a:lstStyle/>
+          <a:p>
+            <a:pPr marL="0" indent="0" fontAlgn="base">
+              <a:buNone/>
+            </a:pPr>
+            <a:r>
+              <a:rPr lang="en-US" sz="3200"/>
+              <a:t>1. Make sure your design </a:t>
+            </a:r>
+            <a:r>
+              <a:rPr lang="en-US" sz="3200" b="1"/>
+              <a:t>allows proper functionality</a:t>
+            </a:r>
+            <a:endParaRPr lang="en-US" sz="3200"/>
+          </a:p>
+          <a:p>
+            <a:pPr marL="800100" lvl="1" indent="-457200" fontAlgn="base">
+              <a:buFont typeface="+mj-lt"/>
+              <a:buAutoNum type="alphaLcParenR"/>
+            </a:pPr>
+            <a:r>
+              <a:rPr lang="en-US" sz="2400"/>
+              <a:t>Must be able to </a:t>
+            </a:r>
+            <a:r>
+              <a:rPr lang="en-US" sz="2400" b="1"/>
+              <a:t>store required information</a:t>
+            </a:r>
+            <a:r>
+              <a:rPr lang="en-US" sz="2400"/>
+              <a:t> (one/many to one/many relationships)</a:t>
+            </a:r>
+          </a:p>
+          <a:p>
+            <a:pPr marL="800100" lvl="1" indent="-457200" fontAlgn="base">
+              <a:buFont typeface="+mj-lt"/>
+              <a:buAutoNum type="alphaLcParenR"/>
+            </a:pPr>
+            <a:r>
+              <a:rPr lang="en-US" sz="2400"/>
+              <a:t>Must be able to </a:t>
+            </a:r>
+            <a:r>
+              <a:rPr lang="en-US" sz="2400" b="1"/>
+              <a:t>access the required information</a:t>
+            </a:r>
+            <a:r>
+              <a:rPr lang="en-US" sz="2400"/>
+              <a:t> to accomplish tasks</a:t>
+            </a:r>
+          </a:p>
+          <a:p>
+            <a:pPr marL="800100" lvl="1" indent="-457200" fontAlgn="base">
+              <a:buFont typeface="+mj-lt"/>
+              <a:buAutoNum type="alphaLcParenR"/>
+            </a:pPr>
+            <a:r>
+              <a:rPr lang="en-US" sz="2400"/>
+              <a:t>Data should </a:t>
+            </a:r>
+            <a:r>
+              <a:rPr lang="en-US" sz="2400" b="1"/>
+              <a:t>not be duplicated</a:t>
+            </a:r>
+            <a:r>
+              <a:rPr lang="en-US" sz="2400"/>
+              <a:t> (id/identifiers are OK!)</a:t>
+            </a:r>
+            <a:endParaRPr lang="en-US" sz="3200"/>
+          </a:p>
+        </p:txBody>
+      </p:sp>
+    </p:spTree>
+    <p:extLst>
+      <p:ext uri="{BB962C8B-B14F-4D97-AF65-F5344CB8AC3E}">
+        <p14:creationId xmlns:p14="http://schemas.microsoft.com/office/powerpoint/2010/main" val="3413767239"/>
+      </p:ext>
+    </p:extLst>
+  </p:cSld>
+  <p:clrMapOvr>
+    <a:masterClrMapping/>
+  </p:clrMapOvr>
+</p:sld>
+</file>
+
 <file path=ppt/slides/slide4.xml><?xml version="1.0" encoding="utf-8"?>
 <p:sld xmlns:a="http://schemas.openxmlformats.org/drawingml/2006/main" xmlns:r="http://schemas.openxmlformats.org/officeDocument/2006/relationships" xmlns:p="http://schemas.openxmlformats.org/presentationml/2006/main">
   <p:cSld>
@@ -5404,6 +5403,30 @@
       </p:grpSpPr>
       <p:sp>
         <p:nvSpPr>
+          <p:cNvPr id="2" name="Title 1"/>
+          <p:cNvSpPr>
+            <a:spLocks noGrp="1"/>
+          </p:cNvSpPr>
+          <p:nvPr>
+            <p:ph type="title"/>
+          </p:nvPr>
+        </p:nvSpPr>
+        <p:spPr/>
+        <p:txBody>
+          <a:bodyPr>
+            <a:normAutofit/>
+          </a:bodyPr>
+          <a:lstStyle/>
+          <a:p>
+            <a:r>
+              <a:rPr lang="en-US" sz="4000" b="1" dirty="0"/>
+              <a:t>An object oriented design must work!</a:t>
+            </a:r>
+          </a:p>
+        </p:txBody>
+      </p:sp>
+      <p:sp>
+        <p:nvSpPr>
           <p:cNvPr id="3" name="Content Placeholder 2"/>
           <p:cNvSpPr>
             <a:spLocks noGrp="1"/>
@@ -5412,15 +5435,10 @@
             <p:ph idx="1"/>
           </p:nvPr>
         </p:nvSpPr>
-        <p:spPr>
-          <a:xfrm>
-            <a:off x="0" y="457200"/>
-            <a:ext cx="8977745" cy="4351338"/>
-          </a:xfrm>
-        </p:spPr>
+        <p:spPr/>
         <p:txBody>
           <a:bodyPr>
-            <a:noAutofit/>
+            <a:normAutofit/>
           </a:bodyPr>
           <a:lstStyle/>
           <a:p>
@@ -5429,67 +5447,31 @@
             </a:pPr>
             <a:r>
               <a:rPr lang="en-US" sz="3200" dirty="0"/>
-              <a:t>1. Make sure your design </a:t>
-            </a:r>
-            <a:r>
-              <a:rPr lang="en-US" sz="3200" b="1" dirty="0"/>
-              <a:t>allows proper functionality</a:t>
-            </a:r>
-            <a:endParaRPr lang="en-US" sz="3200" dirty="0"/>
-          </a:p>
-          <a:p>
-            <a:pPr marL="800100" lvl="1" indent="-457200" fontAlgn="base">
-              <a:buFont typeface="+mj-lt"/>
-              <a:buAutoNum type="alphaLcParenR"/>
-            </a:pPr>
-            <a:r>
-              <a:rPr lang="en-US" sz="2400" dirty="0"/>
-              <a:t>Must be able to </a:t>
-            </a:r>
-            <a:r>
-              <a:rPr lang="en-US" sz="2400" b="1" dirty="0"/>
-              <a:t>store required information</a:t>
-            </a:r>
-            <a:r>
-              <a:rPr lang="en-US" sz="2400" dirty="0"/>
-              <a:t> (one/many to one/many relationships)</a:t>
-            </a:r>
-          </a:p>
-          <a:p>
-            <a:pPr marL="800100" lvl="1" indent="-457200" fontAlgn="base">
-              <a:buFont typeface="+mj-lt"/>
-              <a:buAutoNum type="alphaLcParenR"/>
-            </a:pPr>
-            <a:r>
-              <a:rPr lang="en-US" sz="2400" dirty="0"/>
-              <a:t>Must be able to </a:t>
-            </a:r>
-            <a:r>
-              <a:rPr lang="en-US" sz="2400" b="1" dirty="0"/>
-              <a:t>access the required information</a:t>
-            </a:r>
-            <a:r>
-              <a:rPr lang="en-US" sz="2400" dirty="0"/>
-              <a:t> to accomplish tasks</a:t>
-            </a:r>
-          </a:p>
-          <a:p>
-            <a:pPr marL="800100" lvl="1" indent="-457200" fontAlgn="base">
-              <a:buFont typeface="+mj-lt"/>
-              <a:buAutoNum type="alphaLcParenR"/>
-            </a:pPr>
-            <a:r>
-              <a:rPr lang="en-US" sz="2400" dirty="0"/>
-              <a:t>Data should </a:t>
-            </a:r>
-            <a:r>
-              <a:rPr lang="en-US" sz="2400" b="1" dirty="0"/>
-              <a:t>not be duplicated</a:t>
-            </a:r>
-            <a:r>
-              <a:rPr lang="en-US" sz="2400" dirty="0"/>
-              <a:t> (id/identifiers are OK!)</a:t>
-            </a:r>
+              <a:t>Make sure all the data that you need is stored somewhere</a:t>
+            </a:r>
+          </a:p>
+          <a:p>
+            <a:pPr lvl="1" fontAlgn="base"/>
+            <a:r>
+              <a:rPr lang="en-US" sz="2900" dirty="0"/>
+              <a:t> Think as a client programmer: Can you access all the necessary data from the new Class? </a:t>
+            </a:r>
+            <a:br>
+              <a:rPr lang="en-US" sz="2900" dirty="0"/>
+            </a:br>
+            <a:r>
+              <a:rPr lang="en-US" sz="2900" dirty="0"/>
+              <a:t>If not, then the design of the new class “doesn’t work”</a:t>
+            </a:r>
+          </a:p>
+          <a:p>
+            <a:pPr lvl="1" fontAlgn="base"/>
+            <a:r>
+              <a:rPr lang="en-US" sz="2900" dirty="0"/>
+              <a:t>The solution is not to keep 2 copies of the same data, one in the client and one in the new Class, change the new Class</a:t>
+            </a:r>
+          </a:p>
+          <a:p>
             <a:endParaRPr lang="en-US" sz="3200" dirty="0"/>
           </a:p>
         </p:txBody>
@@ -5497,7 +5479,7 @@
     </p:spTree>
     <p:extLst>
       <p:ext uri="{BB962C8B-B14F-4D97-AF65-F5344CB8AC3E}">
-        <p14:creationId xmlns:p14="http://schemas.microsoft.com/office/powerpoint/2010/main" val="4118967498"/>
+        <p14:creationId xmlns:p14="http://schemas.microsoft.com/office/powerpoint/2010/main" val="3244535212"/>
       </p:ext>
     </p:extLst>
   </p:cSld>
@@ -5526,83 +5508,78 @@
       </p:grpSpPr>
       <p:sp>
         <p:nvSpPr>
-          <p:cNvPr id="2" name="Title 1"/>
-          <p:cNvSpPr>
-            <a:spLocks noGrp="1"/>
-          </p:cNvSpPr>
-          <p:nvPr>
-            <p:ph type="title"/>
-          </p:nvPr>
-        </p:nvSpPr>
-        <p:spPr/>
+          <p:cNvPr id="3" name="Content Placeholder 2"/>
+          <p:cNvSpPr>
+            <a:spLocks noGrp="1"/>
+          </p:cNvSpPr>
+          <p:nvPr>
+            <p:ph idx="1"/>
+          </p:nvPr>
+        </p:nvSpPr>
+        <p:spPr>
+          <a:xfrm>
+            <a:off x="416214" y="441845"/>
+            <a:ext cx="8302914" cy="4351338"/>
+          </a:xfrm>
+        </p:spPr>
         <p:txBody>
           <a:bodyPr>
-            <a:normAutofit/>
+            <a:noAutofit/>
           </a:bodyPr>
           <a:lstStyle/>
           <a:p>
-            <a:r>
-              <a:rPr lang="en-US" sz="4000" b="1" dirty="0"/>
-              <a:t>An object oriented design must work!</a:t>
-            </a:r>
-          </a:p>
-        </p:txBody>
-      </p:sp>
-      <p:sp>
-        <p:nvSpPr>
-          <p:cNvPr id="3" name="Content Placeholder 2"/>
-          <p:cNvSpPr>
-            <a:spLocks noGrp="1"/>
-          </p:cNvSpPr>
-          <p:nvPr>
-            <p:ph idx="1"/>
-          </p:nvPr>
-        </p:nvSpPr>
-        <p:spPr/>
-        <p:txBody>
-          <a:bodyPr>
-            <a:normAutofit/>
-          </a:bodyPr>
-          <a:lstStyle/>
-          <a:p>
-            <a:pPr marL="0" indent="0" fontAlgn="base">
+            <a:pPr marL="0" indent="0">
               <a:buNone/>
             </a:pPr>
             <a:r>
               <a:rPr lang="en-US" sz="3200" dirty="0"/>
-              <a:t>Make sure all the data that you need is stored somewhere</a:t>
-            </a:r>
-          </a:p>
-          <a:p>
-            <a:pPr lvl="1" fontAlgn="base"/>
-            <a:r>
-              <a:rPr lang="en-US" sz="2900" dirty="0"/>
-              <a:t> Think as a client programmer: Can you access all the necessary data from the new Class? </a:t>
-            </a:r>
-            <a:br>
-              <a:rPr lang="en-US" sz="2900" dirty="0"/>
-            </a:br>
-            <a:r>
-              <a:rPr lang="en-US" sz="2900" dirty="0"/>
-              <a:t>If not, then the design of the new class “doesn’t work”</a:t>
-            </a:r>
-          </a:p>
-          <a:p>
-            <a:pPr lvl="1" fontAlgn="base"/>
-            <a:r>
-              <a:rPr lang="en-US" sz="2900" dirty="0"/>
-              <a:t>The solution is not to keep 2 copies of the same data, one in the client and one in the new Class, change the new Class</a:t>
-            </a:r>
-          </a:p>
-          <a:p>
-            <a:endParaRPr lang="en-US" sz="3200" dirty="0"/>
+              <a:t>2. Structure design </a:t>
+            </a:r>
+            <a:r>
+              <a:rPr lang="en-US" sz="3200" b="1" dirty="0"/>
+              <a:t>around the data</a:t>
+            </a:r>
+            <a:r>
+              <a:rPr lang="en-US" sz="3200" dirty="0"/>
+              <a:t> to be stored</a:t>
+            </a:r>
+          </a:p>
+          <a:p>
+            <a:pPr marL="800100" lvl="1" indent="-457200" fontAlgn="base">
+              <a:buFont typeface="+mj-lt"/>
+              <a:buAutoNum type="alphaLcParenR"/>
+            </a:pPr>
+            <a:r>
+              <a:rPr lang="en-US" sz="2400" b="1" dirty="0"/>
+              <a:t>Nouns should become classes</a:t>
+            </a:r>
+            <a:endParaRPr lang="en-US" sz="2400" dirty="0"/>
+          </a:p>
+          <a:p>
+            <a:pPr marL="800100" lvl="1" indent="-457200" fontAlgn="base">
+              <a:buFont typeface="+mj-lt"/>
+              <a:buAutoNum type="alphaLcParenR"/>
+            </a:pPr>
+            <a:r>
+              <a:rPr lang="en-US" sz="2400" b="1" dirty="0"/>
+              <a:t>Classes should have intelligent behaviors</a:t>
+            </a:r>
+            <a:r>
+              <a:rPr lang="en-US" sz="2400" dirty="0"/>
+              <a:t> (methods) </a:t>
+            </a:r>
+            <a:r>
+              <a:rPr lang="en-US" sz="2400" b="1" dirty="0"/>
+              <a:t>that may operate on their data</a:t>
+            </a:r>
+            <a:endParaRPr lang="en-US" sz="2400" dirty="0"/>
           </a:p>
         </p:txBody>
       </p:sp>
     </p:spTree>
     <p:extLst>
       <p:ext uri="{BB962C8B-B14F-4D97-AF65-F5344CB8AC3E}">
-        <p14:creationId xmlns:p14="http://schemas.microsoft.com/office/powerpoint/2010/main" val="3244535212"/>
+        <p14:creationId xmlns:p14="http://schemas.microsoft.com/office/powerpoint/2010/main" val="1350875023"/>
       </p:ext>
     </p:extLst>
   </p:cSld>
@@ -5631,106 +5608,6 @@
       </p:grpSpPr>
       <p:sp>
         <p:nvSpPr>
-          <p:cNvPr id="3" name="Content Placeholder 2"/>
-          <p:cNvSpPr>
-            <a:spLocks noGrp="1"/>
-          </p:cNvSpPr>
-          <p:nvPr>
-            <p:ph idx="1"/>
-          </p:nvPr>
-        </p:nvSpPr>
-        <p:spPr>
-          <a:xfrm>
-            <a:off x="416214" y="441845"/>
-            <a:ext cx="8302914" cy="4351338"/>
-          </a:xfrm>
-        </p:spPr>
-        <p:txBody>
-          <a:bodyPr>
-            <a:noAutofit/>
-          </a:bodyPr>
-          <a:lstStyle/>
-          <a:p>
-            <a:pPr marL="0" indent="0">
-              <a:buNone/>
-            </a:pPr>
-            <a:r>
-              <a:rPr lang="en-US" sz="3200" dirty="0"/>
-              <a:t>2. Structure design </a:t>
-            </a:r>
-            <a:r>
-              <a:rPr lang="en-US" sz="3200" b="1" dirty="0"/>
-              <a:t>around the data</a:t>
-            </a:r>
-            <a:r>
-              <a:rPr lang="en-US" sz="3200" dirty="0"/>
-              <a:t> to be stored</a:t>
-            </a:r>
-          </a:p>
-          <a:p>
-            <a:pPr marL="800100" lvl="1" indent="-457200" fontAlgn="base">
-              <a:buFont typeface="+mj-lt"/>
-              <a:buAutoNum type="alphaLcParenR"/>
-            </a:pPr>
-            <a:r>
-              <a:rPr lang="en-US" sz="2400" b="1" dirty="0"/>
-              <a:t>Nouns should become classes</a:t>
-            </a:r>
-            <a:endParaRPr lang="en-US" sz="2400" dirty="0"/>
-          </a:p>
-          <a:p>
-            <a:pPr marL="800100" lvl="1" indent="-457200" fontAlgn="base">
-              <a:buFont typeface="+mj-lt"/>
-              <a:buAutoNum type="alphaLcParenR"/>
-            </a:pPr>
-            <a:r>
-              <a:rPr lang="en-US" sz="2400" b="1" dirty="0"/>
-              <a:t>Classes should have intelligent behaviors</a:t>
-            </a:r>
-            <a:r>
-              <a:rPr lang="en-US" sz="2400" dirty="0"/>
-              <a:t> (methods) </a:t>
-            </a:r>
-            <a:r>
-              <a:rPr lang="en-US" sz="2400" b="1" dirty="0"/>
-              <a:t>that may operate on their data</a:t>
-            </a:r>
-            <a:endParaRPr lang="en-US" sz="2400" dirty="0"/>
-          </a:p>
-        </p:txBody>
-      </p:sp>
-    </p:spTree>
-    <p:extLst>
-      <p:ext uri="{BB962C8B-B14F-4D97-AF65-F5344CB8AC3E}">
-        <p14:creationId xmlns:p14="http://schemas.microsoft.com/office/powerpoint/2010/main" val="1350875023"/>
-      </p:ext>
-    </p:extLst>
-  </p:cSld>
-  <p:clrMapOvr>
-    <a:masterClrMapping/>
-  </p:clrMapOvr>
-</p:sld>
-</file>
-
-<file path=ppt/slides/slide7.xml><?xml version="1.0" encoding="utf-8"?>
-<p:sld xmlns:a="http://schemas.openxmlformats.org/drawingml/2006/main" xmlns:r="http://schemas.openxmlformats.org/officeDocument/2006/relationships" xmlns:p="http://schemas.openxmlformats.org/presentationml/2006/main">
-  <p:cSld>
-    <p:spTree>
-      <p:nvGrpSpPr>
-        <p:cNvPr id="1" name=""/>
-        <p:cNvGrpSpPr/>
-        <p:nvPr/>
-      </p:nvGrpSpPr>
-      <p:grpSpPr>
-        <a:xfrm>
-          <a:off x="0" y="0"/>
-          <a:ext cx="0" cy="0"/>
-          <a:chOff x="0" y="0"/>
-          <a:chExt cx="0" cy="0"/>
-        </a:xfrm>
-      </p:grpSpPr>
-      <p:sp>
-        <p:nvSpPr>
           <p:cNvPr id="2" name="Title 1"/>
           <p:cNvSpPr>
             <a:spLocks noGrp="1"/>
@@ -5824,7 +5701,7 @@
 </p:sld>
 </file>
 
-<file path=ppt/slides/slide8.xml><?xml version="1.0" encoding="utf-8"?>
+<file path=ppt/slides/slide7.xml><?xml version="1.0" encoding="utf-8"?>
 <p:sld xmlns:a="http://schemas.openxmlformats.org/drawingml/2006/main" xmlns:r="http://schemas.openxmlformats.org/officeDocument/2006/relationships" xmlns:p="http://schemas.openxmlformats.org/presentationml/2006/main">
   <p:cSld>
     <p:spTree>
@@ -7152,26 +7029,6 @@
 </file>
 
 <file path=customXml/item1.xml><?xml version="1.0" encoding="utf-8"?>
-<p:properties xmlns:p="http://schemas.microsoft.com/office/2006/metadata/properties" xmlns:xsi="http://www.w3.org/2001/XMLSchema-instance" xmlns:pc="http://schemas.microsoft.com/office/infopath/2007/PartnerControls">
-  <documentManagement>
-    <TaxCatchAll xmlns="820f9cb1-409d-4c4b-8197-1d4f7dd48124" xsi:nil="true"/>
-    <lcf76f155ced4ddcb4097134ff3c332f xmlns="08600313-7276-4ca7-b5d3-7d86193ee0ac">
-      <Terms xmlns="http://schemas.microsoft.com/office/infopath/2007/PartnerControls"/>
-    </lcf76f155ced4ddcb4097134ff3c332f>
-  </documentManagement>
-</p:properties>
-</file>
-
-<file path=customXml/item2.xml><?xml version="1.0" encoding="utf-8"?>
-<?mso-contentType ?>
-<FormTemplates xmlns="http://schemas.microsoft.com/sharepoint/v3/contenttype/forms">
-  <Display>DocumentLibraryForm</Display>
-  <Edit>DocumentLibraryForm</Edit>
-  <New>DocumentLibraryForm</New>
-</FormTemplates>
-</file>
-
-<file path=customXml/item3.xml><?xml version="1.0" encoding="utf-8"?>
 <ct:contentTypeSchema xmlns:ct="http://schemas.microsoft.com/office/2006/metadata/contentType" xmlns:ma="http://schemas.microsoft.com/office/2006/metadata/properties/metaAttributes" ct:_="" ma:_="" ma:contentTypeName="Document" ma:contentTypeID="0x0101004285D81DBE5F5A448E892B34D6B8CF20" ma:contentTypeVersion="7" ma:contentTypeDescription="Create a new document." ma:contentTypeScope="" ma:versionID="5d1eb4e46a89551cacffd71f81775a5c">
   <xsd:schema xmlns:xsd="http://www.w3.org/2001/XMLSchema" xmlns:xs="http://www.w3.org/2001/XMLSchema" xmlns:p="http://schemas.microsoft.com/office/2006/metadata/properties" xmlns:ns2="08600313-7276-4ca7-b5d3-7d86193ee0ac" xmlns:ns3="820f9cb1-409d-4c4b-8197-1d4f7dd48124" targetNamespace="http://schemas.microsoft.com/office/2006/metadata/properties" ma:root="true" ma:fieldsID="88f943689c6eba50ac915d805157f594" ns2:_="" ns3:_="">
     <xsd:import namespace="08600313-7276-4ca7-b5d3-7d86193ee0ac"/>
@@ -7340,33 +7197,27 @@
 </ct:contentTypeSchema>
 </file>
 
-<file path=customXml/itemProps1.xml><?xml version="1.0" encoding="utf-8"?>
-<ds:datastoreItem xmlns:ds="http://schemas.openxmlformats.org/officeDocument/2006/customXml" ds:itemID="{2F4CC81C-03FD-4D6F-AA26-1CFBF0EF6A42}">
-  <ds:schemaRefs>
-    <ds:schemaRef ds:uri="http://purl.org/dc/terms/"/>
-    <ds:schemaRef ds:uri="http://schemas.microsoft.com/office/2006/documentManagement/types"/>
-    <ds:schemaRef ds:uri="79ddb764-415a-4c38-83b7-908be6382bea"/>
-    <ds:schemaRef ds:uri="http://schemas.microsoft.com/office/infopath/2007/PartnerControls"/>
-    <ds:schemaRef ds:uri="http://purl.org/dc/elements/1.1/"/>
-    <ds:schemaRef ds:uri="http://schemas.microsoft.com/office/2006/metadata/properties"/>
-    <ds:schemaRef ds:uri="http://schemas.openxmlformats.org/package/2006/metadata/core-properties"/>
-    <ds:schemaRef ds:uri="http://www.w3.org/XML/1998/namespace"/>
-    <ds:schemaRef ds:uri="http://purl.org/dc/dcmitype/"/>
-    <ds:schemaRef ds:uri="820f9cb1-409d-4c4b-8197-1d4f7dd48124"/>
-    <ds:schemaRef ds:uri="08600313-7276-4ca7-b5d3-7d86193ee0ac"/>
-  </ds:schemaRefs>
-</ds:datastoreItem>
+<file path=customXml/item2.xml><?xml version="1.0" encoding="utf-8"?>
+<?mso-contentType ?>
+<FormTemplates xmlns="http://schemas.microsoft.com/sharepoint/v3/contenttype/forms">
+  <Display>DocumentLibraryForm</Display>
+  <Edit>DocumentLibraryForm</Edit>
+  <New>DocumentLibraryForm</New>
+</FormTemplates>
 </file>
 
-<file path=customXml/itemProps2.xml><?xml version="1.0" encoding="utf-8"?>
-<ds:datastoreItem xmlns:ds="http://schemas.openxmlformats.org/officeDocument/2006/customXml" ds:itemID="{06B0D7FD-3F15-4031-9B74-9BD0678C88D3}">
-  <ds:schemaRefs>
-    <ds:schemaRef ds:uri="http://schemas.microsoft.com/sharepoint/v3/contenttype/forms"/>
-  </ds:schemaRefs>
-</ds:datastoreItem>
+<file path=customXml/item3.xml><?xml version="1.0" encoding="utf-8"?>
+<p:properties xmlns:p="http://schemas.microsoft.com/office/2006/metadata/properties" xmlns:xsi="http://www.w3.org/2001/XMLSchema-instance" xmlns:pc="http://schemas.microsoft.com/office/infopath/2007/PartnerControls">
+  <documentManagement>
+    <TaxCatchAll xmlns="820f9cb1-409d-4c4b-8197-1d4f7dd48124" xsi:nil="true"/>
+    <lcf76f155ced4ddcb4097134ff3c332f xmlns="08600313-7276-4ca7-b5d3-7d86193ee0ac">
+      <Terms xmlns="http://schemas.microsoft.com/office/infopath/2007/PartnerControls"/>
+    </lcf76f155ced4ddcb4097134ff3c332f>
+  </documentManagement>
+</p:properties>
 </file>
 
-<file path=customXml/itemProps3.xml><?xml version="1.0" encoding="utf-8"?>
+<file path=customXml/itemProps1.xml><?xml version="1.0" encoding="utf-8"?>
 <ds:datastoreItem xmlns:ds="http://schemas.openxmlformats.org/officeDocument/2006/customXml" ds:itemID="{DFB705E6-53BA-46E9-9674-976275B28AE7}">
   <ds:schemaRefs>
     <ds:schemaRef ds:uri="http://schemas.microsoft.com/office/2006/metadata/contentType"/>
@@ -7383,4 +7234,30 @@
     <ds:schemaRef ds:uri="http://schemas.microsoft.com/internal/obd"/>
   </ds:schemaRefs>
 </ds:datastoreItem>
+</file>
+
+<file path=customXml/itemProps2.xml><?xml version="1.0" encoding="utf-8"?>
+<ds:datastoreItem xmlns:ds="http://schemas.openxmlformats.org/officeDocument/2006/customXml" ds:itemID="{06B0D7FD-3F15-4031-9B74-9BD0678C88D3}">
+  <ds:schemaRefs>
+    <ds:schemaRef ds:uri="http://schemas.microsoft.com/sharepoint/v3/contenttype/forms"/>
+  </ds:schemaRefs>
+</ds:datastoreItem>
+</file>
+
+<file path=customXml/itemProps3.xml><?xml version="1.0" encoding="utf-8"?>
+<ds:datastoreItem xmlns:ds="http://schemas.openxmlformats.org/officeDocument/2006/customXml" ds:itemID="{2F4CC81C-03FD-4D6F-AA26-1CFBF0EF6A42}">
+  <ds:schemaRefs>
+    <ds:schemaRef ds:uri="http://purl.org/dc/terms/"/>
+    <ds:schemaRef ds:uri="http://schemas.microsoft.com/office/2006/documentManagement/types"/>
+    <ds:schemaRef ds:uri="79ddb764-415a-4c38-83b7-908be6382bea"/>
+    <ds:schemaRef ds:uri="http://schemas.microsoft.com/office/infopath/2007/PartnerControls"/>
+    <ds:schemaRef ds:uri="http://purl.org/dc/elements/1.1/"/>
+    <ds:schemaRef ds:uri="http://schemas.microsoft.com/office/2006/metadata/properties"/>
+    <ds:schemaRef ds:uri="http://schemas.openxmlformats.org/package/2006/metadata/core-properties"/>
+    <ds:schemaRef ds:uri="http://www.w3.org/XML/1998/namespace"/>
+    <ds:schemaRef ds:uri="http://purl.org/dc/dcmitype/"/>
+    <ds:schemaRef ds:uri="820f9cb1-409d-4c4b-8197-1d4f7dd48124"/>
+    <ds:schemaRef ds:uri="08600313-7276-4ca7-b5d3-7d86193ee0ac"/>
+  </ds:schemaRefs>
+</ds:datastoreItem>
 </file>